--- a/Presentation/AcademyofCareerGuidance.pptx
+++ b/Presentation/AcademyofCareerGuidance.pptx
@@ -123,7 +123,7 @@
             <a:srgbClr val="A4A3A4"/>
           </p15:clr>
         </p15:guide>
-        <p15:guide id="2" orient="horz" pos="2094" userDrawn="1">
+        <p15:guide id="2" orient="horz" pos="2130" userDrawn="1">
           <p15:clr>
             <a:srgbClr val="A4A3A4"/>
           </p15:clr>
@@ -3968,6 +3968,51 @@
           </a:p>
         </p:txBody>
       </p:sp>
+      <p:sp>
+        <p:nvSpPr>
+          <p:cNvPr id="17" name="Прямоугольник 16"/>
+          <p:cNvSpPr/>
+          <p:nvPr/>
+        </p:nvSpPr>
+        <p:spPr>
+          <a:xfrm>
+            <a:off x="-2611755" y="5073015"/>
+            <a:ext cx="548005" cy="612140"/>
+          </a:xfrm>
+          <a:prstGeom prst="rect">
+            <a:avLst/>
+          </a:prstGeom>
+          <a:solidFill>
+            <a:srgbClr val="0A5C97"/>
+          </a:solidFill>
+          <a:ln>
+            <a:noFill/>
+          </a:ln>
+        </p:spPr>
+        <p:style>
+          <a:lnRef idx="2">
+            <a:schemeClr val="accent1">
+              <a:lumMod val="75000"/>
+            </a:schemeClr>
+          </a:lnRef>
+          <a:fillRef idx="1">
+            <a:schemeClr val="accent1"/>
+          </a:fillRef>
+          <a:effectRef idx="0">
+            <a:srgbClr val="FFFFFF"/>
+          </a:effectRef>
+          <a:fontRef idx="minor">
+            <a:schemeClr val="lt1"/>
+          </a:fontRef>
+        </p:style>
+        <p:txBody>
+          <a:bodyPr rtlCol="0" anchor="ctr"/>
+          <a:p>
+            <a:pPr algn="ctr"/>
+            <a:endParaRPr lang="ru-RU" altLang="en-US"/>
+          </a:p>
+        </p:txBody>
+      </p:sp>
     </p:spTree>
   </p:cSld>
   <p:clrMapOvr>
@@ -7626,20 +7671,20 @@
       </p:sp>
       <p:sp>
         <p:nvSpPr>
-          <p:cNvPr id="19" name="Прямоугольник 18"/>
+          <p:cNvPr id="20" name="Прямоугольник 19"/>
           <p:cNvSpPr/>
           <p:nvPr/>
         </p:nvSpPr>
         <p:spPr>
           <a:xfrm>
-            <a:off x="-1012190" y="3872230"/>
-            <a:ext cx="10688320" cy="602615"/>
-          </a:xfrm>
-          <a:prstGeom prst="rect">
-            <a:avLst/>
-          </a:prstGeom>
-          <a:solidFill>
-            <a:srgbClr val="085C97"/>
+            <a:off x="8061325" y="5670550"/>
+            <a:ext cx="5893435" cy="1811655"/>
+          </a:xfrm>
+          <a:prstGeom prst="rect">
+            <a:avLst/>
+          </a:prstGeom>
+          <a:solidFill>
+            <a:srgbClr val="078DBF"/>
           </a:solidFill>
           <a:ln>
             <a:noFill/>
@@ -7669,6 +7714,484 @@
           </a:p>
         </p:txBody>
       </p:sp>
+      <p:sp>
+        <p:nvSpPr>
+          <p:cNvPr id="21" name="Прямоугольник 20"/>
+          <p:cNvSpPr/>
+          <p:nvPr/>
+        </p:nvSpPr>
+        <p:spPr>
+          <a:xfrm>
+            <a:off x="10198735" y="5768340"/>
+            <a:ext cx="4451350" cy="1713865"/>
+          </a:xfrm>
+          <a:prstGeom prst="rect">
+            <a:avLst/>
+          </a:prstGeom>
+          <a:solidFill>
+            <a:srgbClr val="0966A7"/>
+          </a:solidFill>
+          <a:ln>
+            <a:noFill/>
+          </a:ln>
+        </p:spPr>
+        <p:style>
+          <a:lnRef idx="2">
+            <a:schemeClr val="accent1">
+              <a:lumMod val="75000"/>
+            </a:schemeClr>
+          </a:lnRef>
+          <a:fillRef idx="1">
+            <a:schemeClr val="accent1"/>
+          </a:fillRef>
+          <a:effectRef idx="0">
+            <a:srgbClr val="FFFFFF"/>
+          </a:effectRef>
+          <a:fontRef idx="minor">
+            <a:schemeClr val="lt1"/>
+          </a:fontRef>
+        </p:style>
+        <p:txBody>
+          <a:bodyPr rtlCol="0" anchor="ctr"/>
+          <a:p>
+            <a:pPr algn="ctr"/>
+            <a:endParaRPr lang="ru-RU" altLang="en-US"/>
+          </a:p>
+        </p:txBody>
+      </p:sp>
+      <p:sp>
+        <p:nvSpPr>
+          <p:cNvPr id="2" name="Прямоугольник 1"/>
+          <p:cNvSpPr/>
+          <p:nvPr/>
+        </p:nvSpPr>
+        <p:spPr>
+          <a:xfrm>
+            <a:off x="-1011555" y="2724150"/>
+            <a:ext cx="9073515" cy="602615"/>
+          </a:xfrm>
+          <a:prstGeom prst="rect">
+            <a:avLst/>
+          </a:prstGeom>
+          <a:solidFill>
+            <a:srgbClr val="085C97"/>
+          </a:solidFill>
+          <a:ln>
+            <a:noFill/>
+          </a:ln>
+        </p:spPr>
+        <p:style>
+          <a:lnRef idx="2">
+            <a:schemeClr val="accent1">
+              <a:lumMod val="75000"/>
+            </a:schemeClr>
+          </a:lnRef>
+          <a:fillRef idx="1">
+            <a:schemeClr val="accent1"/>
+          </a:fillRef>
+          <a:effectRef idx="0">
+            <a:srgbClr val="FFFFFF"/>
+          </a:effectRef>
+          <a:fontRef idx="minor">
+            <a:schemeClr val="lt1"/>
+          </a:fontRef>
+        </p:style>
+        <p:txBody>
+          <a:bodyPr rtlCol="0" anchor="ctr"/>
+          <a:p>
+            <a:pPr algn="ctr"/>
+            <a:endParaRPr lang="ru-RU" altLang="en-US"/>
+          </a:p>
+        </p:txBody>
+      </p:sp>
+      <p:sp>
+        <p:nvSpPr>
+          <p:cNvPr id="162402058" name="Текстовое поле 162402057"/>
+          <p:cNvSpPr txBox="1"/>
+          <p:nvPr/>
+        </p:nvSpPr>
+        <p:spPr bwMode="auto">
+          <a:xfrm>
+            <a:off x="268792" y="2723387"/>
+            <a:ext cx="7555658" cy="518519"/>
+          </a:xfrm>
+          <a:prstGeom prst="rect">
+            <a:avLst/>
+          </a:prstGeom>
+          <a:noFill/>
+        </p:spPr>
+        <p:txBody>
+          <a:bodyPr vertOverflow="overflow" horzOverflow="overflow" vert="horz" wrap="none" lIns="91440" tIns="45720" rIns="91440" bIns="45720" numCol="1" spcCol="0" rtlCol="0" fromWordArt="0" anchor="t" anchorCtr="0" forceAA="0" upright="0" compatLnSpc="0">
+            <a:spAutoFit/>
+          </a:bodyPr>
+          <a:p>
+            <a:pPr>
+              <a:defRPr/>
+            </a:pPr>
+            <a:r>
+              <a:rPr lang="ru-RU" sz="2800" b="0" i="0" u="none" strike="noStrike" cap="none" spc="0">
+                <a:solidFill>
+                  <a:schemeClr val="bg1"/>
+                </a:solidFill>
+                <a:latin typeface="Bahnschrift" panose="020B0502040204020203"/>
+                <a:ea typeface="Bahnschrift" panose="020B0502040204020203"/>
+                <a:cs typeface="Bahnschrift" panose="020B0502040204020203"/>
+              </a:rPr>
+              <a:t>Жанр: 2D образовательная игра / симулятор</a:t>
+            </a:r>
+            <a:endParaRPr sz="2800">
+              <a:solidFill>
+                <a:schemeClr val="bg1"/>
+              </a:solidFill>
+              <a:latin typeface="Bahnschrift" panose="020B0502040204020203"/>
+              <a:cs typeface="Bahnschrift" panose="020B0502040204020203"/>
+            </a:endParaRPr>
+          </a:p>
+        </p:txBody>
+      </p:sp>
+      <p:sp>
+        <p:nvSpPr>
+          <p:cNvPr id="499737968" name="Текстовое поле 499737967"/>
+          <p:cNvSpPr txBox="1"/>
+          <p:nvPr/>
+        </p:nvSpPr>
+        <p:spPr bwMode="auto">
+          <a:xfrm>
+            <a:off x="1410937" y="16053412"/>
+            <a:ext cx="2402266" cy="518519"/>
+          </a:xfrm>
+          <a:prstGeom prst="rect">
+            <a:avLst/>
+          </a:prstGeom>
+          <a:noFill/>
+        </p:spPr>
+        <p:txBody>
+          <a:bodyPr vertOverflow="overflow" horzOverflow="overflow" vert="horz" wrap="none" lIns="91440" tIns="45720" rIns="91440" bIns="45720" numCol="1" spcCol="0" rtlCol="0" fromWordArt="0" anchor="t" anchorCtr="0" forceAA="0" upright="0" compatLnSpc="0">
+            <a:spAutoFit/>
+          </a:bodyPr>
+          <a:p>
+            <a:pPr>
+              <a:defRPr/>
+            </a:pPr>
+            <a:r>
+              <a:rPr lang="ru-RU" sz="2800">
+                <a:solidFill>
+                  <a:schemeClr val="bg1"/>
+                </a:solidFill>
+                <a:latin typeface="Bahnschrift" panose="020B0502040204020203"/>
+                <a:ea typeface="Bahnschrift" panose="020B0502040204020203"/>
+                <a:cs typeface="Bahnschrift" panose="020B0502040204020203"/>
+              </a:rPr>
+              <a:t>Конкурсант: 1</a:t>
+            </a:r>
+            <a:endParaRPr lang="ru-RU" sz="2800">
+              <a:solidFill>
+                <a:schemeClr val="bg1"/>
+              </a:solidFill>
+              <a:latin typeface="Bahnschrift" panose="020B0502040204020203"/>
+              <a:ea typeface="Bahnschrift" panose="020B0502040204020203"/>
+              <a:cs typeface="Bahnschrift" panose="020B0502040204020203"/>
+            </a:endParaRPr>
+          </a:p>
+        </p:txBody>
+      </p:sp>
+      <p:sp>
+        <p:nvSpPr>
+          <p:cNvPr id="860319562" name="Текстовое поле 860319561"/>
+          <p:cNvSpPr txBox="1"/>
+          <p:nvPr/>
+        </p:nvSpPr>
+        <p:spPr bwMode="auto">
+          <a:xfrm>
+            <a:off x="9676119" y="530288"/>
+            <a:ext cx="2317115" cy="368300"/>
+          </a:xfrm>
+          <a:prstGeom prst="rect">
+            <a:avLst/>
+          </a:prstGeom>
+          <a:noFill/>
+        </p:spPr>
+        <p:txBody>
+          <a:bodyPr vertOverflow="overflow" horzOverflow="overflow" vert="horz" wrap="none" lIns="91440" tIns="45720" rIns="91440" bIns="45720" numCol="1" spcCol="0" rtlCol="0" fromWordArt="0" anchor="t" anchorCtr="0" forceAA="0" upright="0" compatLnSpc="0">
+            <a:spAutoFit/>
+          </a:bodyPr>
+          <a:p>
+            <a:pPr>
+              <a:defRPr/>
+            </a:pPr>
+            <a:r>
+              <a:rPr>
+                <a:solidFill>
+                  <a:schemeClr val="bg1"/>
+                </a:solidFill>
+                <a:latin typeface="Bahnschrift" panose="020B0502040204020203"/>
+                <a:ea typeface="Bahnschrift" panose="020B0502040204020203"/>
+                <a:cs typeface="Bahnschrift" panose="020B0502040204020203"/>
+              </a:rPr>
+              <a:t>Основные механики</a:t>
+            </a:r>
+            <a:endParaRPr>
+              <a:solidFill>
+                <a:schemeClr val="bg1"/>
+              </a:solidFill>
+              <a:latin typeface="Bahnschrift" panose="020B0502040204020203"/>
+              <a:cs typeface="Bahnschrift" panose="020B0502040204020203"/>
+            </a:endParaRPr>
+          </a:p>
+        </p:txBody>
+      </p:sp>
+      <p:sp>
+        <p:nvSpPr>
+          <p:cNvPr id="23" name="Прямоугольник 22"/>
+          <p:cNvSpPr/>
+          <p:nvPr/>
+        </p:nvSpPr>
+        <p:spPr>
+          <a:xfrm>
+            <a:off x="-26266140" y="1034415"/>
+            <a:ext cx="2997200" cy="3829685"/>
+          </a:xfrm>
+          <a:prstGeom prst="rect">
+            <a:avLst/>
+          </a:prstGeom>
+          <a:solidFill>
+            <a:srgbClr val="078DBF"/>
+          </a:solidFill>
+          <a:ln>
+            <a:noFill/>
+          </a:ln>
+        </p:spPr>
+        <p:style>
+          <a:lnRef idx="2">
+            <a:schemeClr val="accent1">
+              <a:lumMod val="75000"/>
+            </a:schemeClr>
+          </a:lnRef>
+          <a:fillRef idx="1">
+            <a:schemeClr val="accent1"/>
+          </a:fillRef>
+          <a:effectRef idx="0">
+            <a:srgbClr val="FFFFFF"/>
+          </a:effectRef>
+          <a:fontRef idx="minor">
+            <a:schemeClr val="lt1"/>
+          </a:fontRef>
+        </p:style>
+        <p:txBody>
+          <a:bodyPr rtlCol="0" anchor="ctr"/>
+          <a:p>
+            <a:pPr algn="ctr"/>
+            <a:endParaRPr lang="ru-RU" altLang="en-US"/>
+          </a:p>
+        </p:txBody>
+      </p:sp>
+      <p:sp>
+        <p:nvSpPr>
+          <p:cNvPr id="24" name="Прямоугольник 23"/>
+          <p:cNvSpPr/>
+          <p:nvPr/>
+        </p:nvSpPr>
+        <p:spPr>
+          <a:xfrm>
+            <a:off x="-8601710" y="3483610"/>
+            <a:ext cx="4725035" cy="2834640"/>
+          </a:xfrm>
+          <a:prstGeom prst="rect">
+            <a:avLst/>
+          </a:prstGeom>
+          <a:solidFill>
+            <a:srgbClr val="0966A7"/>
+          </a:solidFill>
+          <a:ln>
+            <a:noFill/>
+          </a:ln>
+        </p:spPr>
+        <p:style>
+          <a:lnRef idx="2">
+            <a:schemeClr val="accent1">
+              <a:lumMod val="75000"/>
+            </a:schemeClr>
+          </a:lnRef>
+          <a:fillRef idx="1">
+            <a:schemeClr val="accent1"/>
+          </a:fillRef>
+          <a:effectRef idx="0">
+            <a:srgbClr val="FFFFFF"/>
+          </a:effectRef>
+          <a:fontRef idx="minor">
+            <a:schemeClr val="lt1"/>
+          </a:fontRef>
+        </p:style>
+        <p:txBody>
+          <a:bodyPr rtlCol="0" anchor="ctr"/>
+          <a:p>
+            <a:pPr algn="ctr"/>
+            <a:endParaRPr lang="ru-RU" altLang="en-US"/>
+          </a:p>
+        </p:txBody>
+      </p:sp>
+      <p:sp>
+        <p:nvSpPr>
+          <p:cNvPr id="1431117959" name="Текстовое поле 1431117958"/>
+          <p:cNvSpPr txBox="1"/>
+          <p:nvPr/>
+        </p:nvSpPr>
+        <p:spPr bwMode="auto">
+          <a:xfrm>
+            <a:off x="5223928" y="11309244"/>
+            <a:ext cx="1997554" cy="1006199"/>
+          </a:xfrm>
+          <a:prstGeom prst="rect">
+            <a:avLst/>
+          </a:prstGeom>
+          <a:noFill/>
+        </p:spPr>
+        <p:txBody>
+          <a:bodyPr vertOverflow="overflow" horzOverflow="overflow" vert="horz" wrap="none" lIns="91440" tIns="45720" rIns="91440" bIns="45720" numCol="1" spcCol="0" rtlCol="0" fromWordArt="0" anchor="t" anchorCtr="0" forceAA="0" upright="0" compatLnSpc="0">
+            <a:spAutoFit/>
+          </a:bodyPr>
+          <a:p>
+            <a:pPr algn="ctr">
+              <a:defRPr/>
+            </a:pPr>
+            <a:r>
+              <a:rPr sz="2000">
+                <a:solidFill>
+                  <a:schemeClr val="bg1"/>
+                </a:solidFill>
+                <a:latin typeface="Bahnschrift" panose="020B0502040204020203"/>
+                <a:ea typeface="Bahnschrift" panose="020B0502040204020203"/>
+                <a:cs typeface="Bahnschrift" panose="020B0502040204020203"/>
+              </a:rPr>
+              <a:t>Выбирайте </a:t>
+            </a:r>
+            <a:endParaRPr sz="2000">
+              <a:solidFill>
+                <a:schemeClr val="bg1"/>
+              </a:solidFill>
+              <a:latin typeface="Bahnschrift" panose="020B0502040204020203"/>
+              <a:ea typeface="Bahnschrift" panose="020B0502040204020203"/>
+              <a:cs typeface="Bahnschrift" panose="020B0502040204020203"/>
+            </a:endParaRPr>
+          </a:p>
+          <a:p>
+            <a:pPr algn="ctr">
+              <a:defRPr/>
+            </a:pPr>
+            <a:r>
+              <a:rPr sz="2000">
+                <a:solidFill>
+                  <a:schemeClr val="bg1"/>
+                </a:solidFill>
+                <a:latin typeface="Bahnschrift" panose="020B0502040204020203"/>
+                <a:ea typeface="Bahnschrift" panose="020B0502040204020203"/>
+                <a:cs typeface="Bahnschrift" panose="020B0502040204020203"/>
+              </a:rPr>
+              <a:t>разнообразные </a:t>
+            </a:r>
+            <a:endParaRPr sz="2000">
+              <a:solidFill>
+                <a:schemeClr val="bg1"/>
+              </a:solidFill>
+              <a:latin typeface="Bahnschrift" panose="020B0502040204020203"/>
+              <a:ea typeface="Bahnschrift" panose="020B0502040204020203"/>
+              <a:cs typeface="Bahnschrift" panose="020B0502040204020203"/>
+            </a:endParaRPr>
+          </a:p>
+          <a:p>
+            <a:pPr algn="ctr">
+              <a:defRPr/>
+            </a:pPr>
+            <a:r>
+              <a:rPr sz="2000">
+                <a:solidFill>
+                  <a:schemeClr val="bg1"/>
+                </a:solidFill>
+                <a:latin typeface="Bahnschrift" panose="020B0502040204020203"/>
+                <a:ea typeface="Bahnschrift" panose="020B0502040204020203"/>
+                <a:cs typeface="Bahnschrift" panose="020B0502040204020203"/>
+              </a:rPr>
+              <a:t>специальности</a:t>
+            </a:r>
+            <a:endParaRPr sz="2000">
+              <a:solidFill>
+                <a:schemeClr val="bg1"/>
+              </a:solidFill>
+              <a:latin typeface="Bahnschrift" panose="020B0502040204020203"/>
+              <a:cs typeface="Bahnschrift" panose="020B0502040204020203"/>
+            </a:endParaRPr>
+          </a:p>
+        </p:txBody>
+      </p:sp>
+      <p:sp>
+        <p:nvSpPr>
+          <p:cNvPr id="13" name="Прямоугольник 12"/>
+          <p:cNvSpPr/>
+          <p:nvPr/>
+        </p:nvSpPr>
+        <p:spPr>
+          <a:xfrm>
+            <a:off x="-1434465" y="3874135"/>
+            <a:ext cx="10915650" cy="612140"/>
+          </a:xfrm>
+          <a:prstGeom prst="rect">
+            <a:avLst/>
+          </a:prstGeom>
+          <a:solidFill>
+            <a:srgbClr val="0A5C97"/>
+          </a:solidFill>
+          <a:ln>
+            <a:noFill/>
+          </a:ln>
+        </p:spPr>
+        <p:style>
+          <a:lnRef idx="2">
+            <a:schemeClr val="accent1">
+              <a:lumMod val="75000"/>
+            </a:schemeClr>
+          </a:lnRef>
+          <a:fillRef idx="1">
+            <a:schemeClr val="accent1"/>
+          </a:fillRef>
+          <a:effectRef idx="0">
+            <a:srgbClr val="FFFFFF"/>
+          </a:effectRef>
+          <a:fontRef idx="minor">
+            <a:schemeClr val="lt1"/>
+          </a:fontRef>
+        </p:style>
+        <p:txBody>
+          <a:bodyPr rtlCol="0" anchor="ctr"/>
+          <a:p>
+            <a:pPr algn="ctr"/>
+            <a:endParaRPr lang="ru-RU" altLang="en-US"/>
+          </a:p>
+        </p:txBody>
+      </p:sp>
+      <p:pic>
+        <p:nvPicPr>
+          <p:cNvPr id="1427869890" name="Изображение 1427869889"/>
+          <p:cNvPicPr>
+            <a:picLocks noChangeAspect="1"/>
+          </p:cNvPicPr>
+          <p:nvPr/>
+        </p:nvPicPr>
+        <p:blipFill>
+          <a:blip r:embed="rId1"/>
+          <a:stretch>
+            <a:fillRect/>
+          </a:stretch>
+        </p:blipFill>
+        <p:spPr bwMode="auto">
+          <a:xfrm>
+            <a:off x="5223928" y="7503424"/>
+            <a:ext cx="2028807" cy="3585103"/>
+          </a:xfrm>
+          <a:prstGeom prst="rect">
+            <a:avLst/>
+          </a:prstGeom>
+        </p:spPr>
+      </p:pic>
       <p:sp>
         <p:nvSpPr>
           <p:cNvPr id="1677183393" name="Текстовое поле 1677183392"/>
@@ -7714,484 +8237,6 @@
           </a:p>
         </p:txBody>
       </p:sp>
-      <p:sp>
-        <p:nvSpPr>
-          <p:cNvPr id="20" name="Прямоугольник 19"/>
-          <p:cNvSpPr/>
-          <p:nvPr/>
-        </p:nvSpPr>
-        <p:spPr>
-          <a:xfrm>
-            <a:off x="8061325" y="5670550"/>
-            <a:ext cx="5893435" cy="1811655"/>
-          </a:xfrm>
-          <a:prstGeom prst="rect">
-            <a:avLst/>
-          </a:prstGeom>
-          <a:solidFill>
-            <a:srgbClr val="078DBF"/>
-          </a:solidFill>
-          <a:ln>
-            <a:noFill/>
-          </a:ln>
-        </p:spPr>
-        <p:style>
-          <a:lnRef idx="2">
-            <a:schemeClr val="accent1">
-              <a:lumMod val="75000"/>
-            </a:schemeClr>
-          </a:lnRef>
-          <a:fillRef idx="1">
-            <a:schemeClr val="accent1"/>
-          </a:fillRef>
-          <a:effectRef idx="0">
-            <a:srgbClr val="FFFFFF"/>
-          </a:effectRef>
-          <a:fontRef idx="minor">
-            <a:schemeClr val="lt1"/>
-          </a:fontRef>
-        </p:style>
-        <p:txBody>
-          <a:bodyPr rtlCol="0" anchor="ctr"/>
-          <a:p>
-            <a:pPr algn="ctr"/>
-            <a:endParaRPr lang="ru-RU" altLang="en-US"/>
-          </a:p>
-        </p:txBody>
-      </p:sp>
-      <p:sp>
-        <p:nvSpPr>
-          <p:cNvPr id="21" name="Прямоугольник 20"/>
-          <p:cNvSpPr/>
-          <p:nvPr/>
-        </p:nvSpPr>
-        <p:spPr>
-          <a:xfrm>
-            <a:off x="10198735" y="5768340"/>
-            <a:ext cx="4451350" cy="1713865"/>
-          </a:xfrm>
-          <a:prstGeom prst="rect">
-            <a:avLst/>
-          </a:prstGeom>
-          <a:solidFill>
-            <a:srgbClr val="0966A7"/>
-          </a:solidFill>
-          <a:ln>
-            <a:noFill/>
-          </a:ln>
-        </p:spPr>
-        <p:style>
-          <a:lnRef idx="2">
-            <a:schemeClr val="accent1">
-              <a:lumMod val="75000"/>
-            </a:schemeClr>
-          </a:lnRef>
-          <a:fillRef idx="1">
-            <a:schemeClr val="accent1"/>
-          </a:fillRef>
-          <a:effectRef idx="0">
-            <a:srgbClr val="FFFFFF"/>
-          </a:effectRef>
-          <a:fontRef idx="minor">
-            <a:schemeClr val="lt1"/>
-          </a:fontRef>
-        </p:style>
-        <p:txBody>
-          <a:bodyPr rtlCol="0" anchor="ctr"/>
-          <a:p>
-            <a:pPr algn="ctr"/>
-            <a:endParaRPr lang="ru-RU" altLang="en-US"/>
-          </a:p>
-        </p:txBody>
-      </p:sp>
-      <p:sp>
-        <p:nvSpPr>
-          <p:cNvPr id="2" name="Прямоугольник 1"/>
-          <p:cNvSpPr/>
-          <p:nvPr/>
-        </p:nvSpPr>
-        <p:spPr>
-          <a:xfrm>
-            <a:off x="-1011555" y="2724150"/>
-            <a:ext cx="9073515" cy="602615"/>
-          </a:xfrm>
-          <a:prstGeom prst="rect">
-            <a:avLst/>
-          </a:prstGeom>
-          <a:solidFill>
-            <a:srgbClr val="085C97"/>
-          </a:solidFill>
-          <a:ln>
-            <a:noFill/>
-          </a:ln>
-        </p:spPr>
-        <p:style>
-          <a:lnRef idx="2">
-            <a:schemeClr val="accent1">
-              <a:lumMod val="75000"/>
-            </a:schemeClr>
-          </a:lnRef>
-          <a:fillRef idx="1">
-            <a:schemeClr val="accent1"/>
-          </a:fillRef>
-          <a:effectRef idx="0">
-            <a:srgbClr val="FFFFFF"/>
-          </a:effectRef>
-          <a:fontRef idx="minor">
-            <a:schemeClr val="lt1"/>
-          </a:fontRef>
-        </p:style>
-        <p:txBody>
-          <a:bodyPr rtlCol="0" anchor="ctr"/>
-          <a:p>
-            <a:pPr algn="ctr"/>
-            <a:endParaRPr lang="ru-RU" altLang="en-US"/>
-          </a:p>
-        </p:txBody>
-      </p:sp>
-      <p:sp>
-        <p:nvSpPr>
-          <p:cNvPr id="162402058" name="Текстовое поле 162402057"/>
-          <p:cNvSpPr txBox="1"/>
-          <p:nvPr/>
-        </p:nvSpPr>
-        <p:spPr bwMode="auto">
-          <a:xfrm>
-            <a:off x="268792" y="2723387"/>
-            <a:ext cx="7555658" cy="518519"/>
-          </a:xfrm>
-          <a:prstGeom prst="rect">
-            <a:avLst/>
-          </a:prstGeom>
-          <a:noFill/>
-        </p:spPr>
-        <p:txBody>
-          <a:bodyPr vertOverflow="overflow" horzOverflow="overflow" vert="horz" wrap="none" lIns="91440" tIns="45720" rIns="91440" bIns="45720" numCol="1" spcCol="0" rtlCol="0" fromWordArt="0" anchor="t" anchorCtr="0" forceAA="0" upright="0" compatLnSpc="0">
-            <a:spAutoFit/>
-          </a:bodyPr>
-          <a:p>
-            <a:pPr>
-              <a:defRPr/>
-            </a:pPr>
-            <a:r>
-              <a:rPr lang="ru-RU" sz="2800" b="0" i="0" u="none" strike="noStrike" cap="none" spc="0">
-                <a:solidFill>
-                  <a:schemeClr val="bg1"/>
-                </a:solidFill>
-                <a:latin typeface="Bahnschrift" panose="020B0502040204020203"/>
-                <a:ea typeface="Bahnschrift" panose="020B0502040204020203"/>
-                <a:cs typeface="Bahnschrift" panose="020B0502040204020203"/>
-              </a:rPr>
-              <a:t>Жанр: 2D образовательная игра / симулятор</a:t>
-            </a:r>
-            <a:endParaRPr sz="2800">
-              <a:solidFill>
-                <a:schemeClr val="bg1"/>
-              </a:solidFill>
-              <a:latin typeface="Bahnschrift" panose="020B0502040204020203"/>
-              <a:cs typeface="Bahnschrift" panose="020B0502040204020203"/>
-            </a:endParaRPr>
-          </a:p>
-        </p:txBody>
-      </p:sp>
-      <p:sp>
-        <p:nvSpPr>
-          <p:cNvPr id="499737968" name="Текстовое поле 499737967"/>
-          <p:cNvSpPr txBox="1"/>
-          <p:nvPr/>
-        </p:nvSpPr>
-        <p:spPr bwMode="auto">
-          <a:xfrm>
-            <a:off x="1410937" y="16053412"/>
-            <a:ext cx="2402266" cy="518519"/>
-          </a:xfrm>
-          <a:prstGeom prst="rect">
-            <a:avLst/>
-          </a:prstGeom>
-          <a:noFill/>
-        </p:spPr>
-        <p:txBody>
-          <a:bodyPr vertOverflow="overflow" horzOverflow="overflow" vert="horz" wrap="none" lIns="91440" tIns="45720" rIns="91440" bIns="45720" numCol="1" spcCol="0" rtlCol="0" fromWordArt="0" anchor="t" anchorCtr="0" forceAA="0" upright="0" compatLnSpc="0">
-            <a:spAutoFit/>
-          </a:bodyPr>
-          <a:p>
-            <a:pPr>
-              <a:defRPr/>
-            </a:pPr>
-            <a:r>
-              <a:rPr lang="ru-RU" sz="2800">
-                <a:solidFill>
-                  <a:schemeClr val="bg1"/>
-                </a:solidFill>
-                <a:latin typeface="Bahnschrift" panose="020B0502040204020203"/>
-                <a:ea typeface="Bahnschrift" panose="020B0502040204020203"/>
-                <a:cs typeface="Bahnschrift" panose="020B0502040204020203"/>
-              </a:rPr>
-              <a:t>Конкурсант: 1</a:t>
-            </a:r>
-            <a:endParaRPr lang="ru-RU" sz="2800">
-              <a:solidFill>
-                <a:schemeClr val="bg1"/>
-              </a:solidFill>
-              <a:latin typeface="Bahnschrift" panose="020B0502040204020203"/>
-              <a:ea typeface="Bahnschrift" panose="020B0502040204020203"/>
-              <a:cs typeface="Bahnschrift" panose="020B0502040204020203"/>
-            </a:endParaRPr>
-          </a:p>
-        </p:txBody>
-      </p:sp>
-      <p:sp>
-        <p:nvSpPr>
-          <p:cNvPr id="860319562" name="Текстовое поле 860319561"/>
-          <p:cNvSpPr txBox="1"/>
-          <p:nvPr/>
-        </p:nvSpPr>
-        <p:spPr bwMode="auto">
-          <a:xfrm>
-            <a:off x="9676119" y="530288"/>
-            <a:ext cx="2317115" cy="368300"/>
-          </a:xfrm>
-          <a:prstGeom prst="rect">
-            <a:avLst/>
-          </a:prstGeom>
-          <a:noFill/>
-        </p:spPr>
-        <p:txBody>
-          <a:bodyPr vertOverflow="overflow" horzOverflow="overflow" vert="horz" wrap="none" lIns="91440" tIns="45720" rIns="91440" bIns="45720" numCol="1" spcCol="0" rtlCol="0" fromWordArt="0" anchor="t" anchorCtr="0" forceAA="0" upright="0" compatLnSpc="0">
-            <a:spAutoFit/>
-          </a:bodyPr>
-          <a:p>
-            <a:pPr>
-              <a:defRPr/>
-            </a:pPr>
-            <a:r>
-              <a:rPr>
-                <a:solidFill>
-                  <a:schemeClr val="bg1"/>
-                </a:solidFill>
-                <a:latin typeface="Bahnschrift" panose="020B0502040204020203"/>
-                <a:ea typeface="Bahnschrift" panose="020B0502040204020203"/>
-                <a:cs typeface="Bahnschrift" panose="020B0502040204020203"/>
-              </a:rPr>
-              <a:t>Основные механики</a:t>
-            </a:r>
-            <a:endParaRPr>
-              <a:solidFill>
-                <a:schemeClr val="bg1"/>
-              </a:solidFill>
-              <a:latin typeface="Bahnschrift" panose="020B0502040204020203"/>
-              <a:cs typeface="Bahnschrift" panose="020B0502040204020203"/>
-            </a:endParaRPr>
-          </a:p>
-        </p:txBody>
-      </p:sp>
-      <p:sp>
-        <p:nvSpPr>
-          <p:cNvPr id="23" name="Прямоугольник 22"/>
-          <p:cNvSpPr/>
-          <p:nvPr/>
-        </p:nvSpPr>
-        <p:spPr>
-          <a:xfrm>
-            <a:off x="-26266140" y="1034415"/>
-            <a:ext cx="2997200" cy="3829685"/>
-          </a:xfrm>
-          <a:prstGeom prst="rect">
-            <a:avLst/>
-          </a:prstGeom>
-          <a:solidFill>
-            <a:srgbClr val="078DBF"/>
-          </a:solidFill>
-          <a:ln>
-            <a:noFill/>
-          </a:ln>
-        </p:spPr>
-        <p:style>
-          <a:lnRef idx="2">
-            <a:schemeClr val="accent1">
-              <a:lumMod val="75000"/>
-            </a:schemeClr>
-          </a:lnRef>
-          <a:fillRef idx="1">
-            <a:schemeClr val="accent1"/>
-          </a:fillRef>
-          <a:effectRef idx="0">
-            <a:srgbClr val="FFFFFF"/>
-          </a:effectRef>
-          <a:fontRef idx="minor">
-            <a:schemeClr val="lt1"/>
-          </a:fontRef>
-        </p:style>
-        <p:txBody>
-          <a:bodyPr rtlCol="0" anchor="ctr"/>
-          <a:p>
-            <a:pPr algn="ctr"/>
-            <a:endParaRPr lang="ru-RU" altLang="en-US"/>
-          </a:p>
-        </p:txBody>
-      </p:sp>
-      <p:sp>
-        <p:nvSpPr>
-          <p:cNvPr id="24" name="Прямоугольник 23"/>
-          <p:cNvSpPr/>
-          <p:nvPr/>
-        </p:nvSpPr>
-        <p:spPr>
-          <a:xfrm>
-            <a:off x="-8601710" y="3483610"/>
-            <a:ext cx="4725035" cy="2834640"/>
-          </a:xfrm>
-          <a:prstGeom prst="rect">
-            <a:avLst/>
-          </a:prstGeom>
-          <a:solidFill>
-            <a:srgbClr val="0966A7"/>
-          </a:solidFill>
-          <a:ln>
-            <a:noFill/>
-          </a:ln>
-        </p:spPr>
-        <p:style>
-          <a:lnRef idx="2">
-            <a:schemeClr val="accent1">
-              <a:lumMod val="75000"/>
-            </a:schemeClr>
-          </a:lnRef>
-          <a:fillRef idx="1">
-            <a:schemeClr val="accent1"/>
-          </a:fillRef>
-          <a:effectRef idx="0">
-            <a:srgbClr val="FFFFFF"/>
-          </a:effectRef>
-          <a:fontRef idx="minor">
-            <a:schemeClr val="lt1"/>
-          </a:fontRef>
-        </p:style>
-        <p:txBody>
-          <a:bodyPr rtlCol="0" anchor="ctr"/>
-          <a:p>
-            <a:pPr algn="ctr"/>
-            <a:endParaRPr lang="ru-RU" altLang="en-US"/>
-          </a:p>
-        </p:txBody>
-      </p:sp>
-      <p:sp>
-        <p:nvSpPr>
-          <p:cNvPr id="1431117959" name="Текстовое поле 1431117958"/>
-          <p:cNvSpPr txBox="1"/>
-          <p:nvPr/>
-        </p:nvSpPr>
-        <p:spPr bwMode="auto">
-          <a:xfrm>
-            <a:off x="5223928" y="11309244"/>
-            <a:ext cx="1997554" cy="1006199"/>
-          </a:xfrm>
-          <a:prstGeom prst="rect">
-            <a:avLst/>
-          </a:prstGeom>
-          <a:noFill/>
-        </p:spPr>
-        <p:txBody>
-          <a:bodyPr vertOverflow="overflow" horzOverflow="overflow" vert="horz" wrap="none" lIns="91440" tIns="45720" rIns="91440" bIns="45720" numCol="1" spcCol="0" rtlCol="0" fromWordArt="0" anchor="t" anchorCtr="0" forceAA="0" upright="0" compatLnSpc="0">
-            <a:spAutoFit/>
-          </a:bodyPr>
-          <a:p>
-            <a:pPr algn="ctr">
-              <a:defRPr/>
-            </a:pPr>
-            <a:r>
-              <a:rPr sz="2000">
-                <a:solidFill>
-                  <a:schemeClr val="bg1"/>
-                </a:solidFill>
-                <a:latin typeface="Bahnschrift" panose="020B0502040204020203"/>
-                <a:ea typeface="Bahnschrift" panose="020B0502040204020203"/>
-                <a:cs typeface="Bahnschrift" panose="020B0502040204020203"/>
-              </a:rPr>
-              <a:t>Выбирайте </a:t>
-            </a:r>
-            <a:endParaRPr sz="2000">
-              <a:solidFill>
-                <a:schemeClr val="bg1"/>
-              </a:solidFill>
-              <a:latin typeface="Bahnschrift" panose="020B0502040204020203"/>
-              <a:ea typeface="Bahnschrift" panose="020B0502040204020203"/>
-              <a:cs typeface="Bahnschrift" panose="020B0502040204020203"/>
-            </a:endParaRPr>
-          </a:p>
-          <a:p>
-            <a:pPr algn="ctr">
-              <a:defRPr/>
-            </a:pPr>
-            <a:r>
-              <a:rPr sz="2000">
-                <a:solidFill>
-                  <a:schemeClr val="bg1"/>
-                </a:solidFill>
-                <a:latin typeface="Bahnschrift" panose="020B0502040204020203"/>
-                <a:ea typeface="Bahnschrift" panose="020B0502040204020203"/>
-                <a:cs typeface="Bahnschrift" panose="020B0502040204020203"/>
-              </a:rPr>
-              <a:t>разнообразные </a:t>
-            </a:r>
-            <a:endParaRPr sz="2000">
-              <a:solidFill>
-                <a:schemeClr val="bg1"/>
-              </a:solidFill>
-              <a:latin typeface="Bahnschrift" panose="020B0502040204020203"/>
-              <a:ea typeface="Bahnschrift" panose="020B0502040204020203"/>
-              <a:cs typeface="Bahnschrift" panose="020B0502040204020203"/>
-            </a:endParaRPr>
-          </a:p>
-          <a:p>
-            <a:pPr algn="ctr">
-              <a:defRPr/>
-            </a:pPr>
-            <a:r>
-              <a:rPr sz="2000">
-                <a:solidFill>
-                  <a:schemeClr val="bg1"/>
-                </a:solidFill>
-                <a:latin typeface="Bahnschrift" panose="020B0502040204020203"/>
-                <a:ea typeface="Bahnschrift" panose="020B0502040204020203"/>
-                <a:cs typeface="Bahnschrift" panose="020B0502040204020203"/>
-              </a:rPr>
-              <a:t>специальности</a:t>
-            </a:r>
-            <a:endParaRPr sz="2000">
-              <a:solidFill>
-                <a:schemeClr val="bg1"/>
-              </a:solidFill>
-              <a:latin typeface="Bahnschrift" panose="020B0502040204020203"/>
-              <a:cs typeface="Bahnschrift" panose="020B0502040204020203"/>
-            </a:endParaRPr>
-          </a:p>
-        </p:txBody>
-      </p:sp>
-      <p:pic>
-        <p:nvPicPr>
-          <p:cNvPr id="1427869890" name="Изображение 1427869889"/>
-          <p:cNvPicPr>
-            <a:picLocks noChangeAspect="1"/>
-          </p:cNvPicPr>
-          <p:nvPr/>
-        </p:nvPicPr>
-        <p:blipFill>
-          <a:blip r:embed="rId1"/>
-          <a:stretch>
-            <a:fillRect/>
-          </a:stretch>
-        </p:blipFill>
-        <p:spPr bwMode="auto">
-          <a:xfrm>
-            <a:off x="5223928" y="7503424"/>
-            <a:ext cx="2028807" cy="3585103"/>
-          </a:xfrm>
-          <a:prstGeom prst="rect">
-            <a:avLst/>
-          </a:prstGeom>
-        </p:spPr>
-      </p:pic>
     </p:spTree>
   </p:cSld>
   <p:clrMapOvr>
@@ -9180,6 +9225,51 @@
           </a:prstGeom>
         </p:spPr>
       </p:pic>
+      <p:sp>
+        <p:nvSpPr>
+          <p:cNvPr id="3" name="Прямоугольник 2"/>
+          <p:cNvSpPr/>
+          <p:nvPr/>
+        </p:nvSpPr>
+        <p:spPr>
+          <a:xfrm>
+            <a:off x="-5422900" y="5174615"/>
+            <a:ext cx="1111250" cy="612140"/>
+          </a:xfrm>
+          <a:prstGeom prst="rect">
+            <a:avLst/>
+          </a:prstGeom>
+          <a:solidFill>
+            <a:srgbClr val="0A5C97"/>
+          </a:solidFill>
+          <a:ln>
+            <a:noFill/>
+          </a:ln>
+        </p:spPr>
+        <p:style>
+          <a:lnRef idx="2">
+            <a:schemeClr val="accent1">
+              <a:lumMod val="75000"/>
+            </a:schemeClr>
+          </a:lnRef>
+          <a:fillRef idx="1">
+            <a:schemeClr val="accent1"/>
+          </a:fillRef>
+          <a:effectRef idx="0">
+            <a:srgbClr val="FFFFFF"/>
+          </a:effectRef>
+          <a:fontRef idx="minor">
+            <a:schemeClr val="lt1"/>
+          </a:fontRef>
+        </p:style>
+        <p:txBody>
+          <a:bodyPr rtlCol="0" anchor="ctr"/>
+          <a:p>
+            <a:pPr algn="ctr"/>
+            <a:endParaRPr lang="ru-RU" altLang="en-US"/>
+          </a:p>
+        </p:txBody>
+      </p:sp>
     </p:spTree>
   </p:cSld>
   <p:clrMapOvr>
